--- a/docs/source/figures/logo_hdmf_zarr.pptx
+++ b/docs/source/figures/logo_hdmf_zarr.pptx
@@ -5,10 +5,11 @@
     <p:sldMasterId id="2147483660" r:id="rId1"/>
   </p:sldMasterIdLst>
   <p:notesMasterIdLst>
-    <p:notesMasterId r:id="rId3"/>
+    <p:notesMasterId r:id="rId4"/>
   </p:notesMasterIdLst>
   <p:sldIdLst>
-    <p:sldId id="347" r:id="rId2"/>
+    <p:sldId id="348" r:id="rId2"/>
+    <p:sldId id="347" r:id="rId3"/>
   </p:sldIdLst>
   <p:sldSz cx="12192000" cy="6858000"/>
   <p:notesSz cx="6858000" cy="9144000"/>
@@ -208,7 +209,7 @@
           <a:p>
             <a:fld id="{4D6A40B9-902A-4E0E-AF39-1C357549AEE0}" type="datetimeFigureOut">
               <a:rPr lang="en-US" smtClean="0"/>
-              <a:t>4/14/22</a:t>
+              <a:t>4/18/22</a:t>
             </a:fld>
             <a:endParaRPr lang="en-US"/>
           </a:p>
@@ -475,6 +476,90 @@
 </p:notesMaster>
 </file>
 
+<file path=ppt/notesSlides/notesSlide1.xml><?xml version="1.0" encoding="utf-8"?>
+<p:notes xmlns:a="http://schemas.openxmlformats.org/drawingml/2006/main" xmlns:r="http://schemas.openxmlformats.org/officeDocument/2006/relationships" xmlns:p="http://schemas.openxmlformats.org/presentationml/2006/main">
+  <p:cSld>
+    <p:spTree>
+      <p:nvGrpSpPr>
+        <p:cNvPr id="1" name=""/>
+        <p:cNvGrpSpPr/>
+        <p:nvPr/>
+      </p:nvGrpSpPr>
+      <p:grpSpPr>
+        <a:xfrm>
+          <a:off x="0" y="0"/>
+          <a:ext cx="0" cy="0"/>
+          <a:chOff x="0" y="0"/>
+          <a:chExt cx="0" cy="0"/>
+        </a:xfrm>
+      </p:grpSpPr>
+      <p:sp>
+        <p:nvSpPr>
+          <p:cNvPr id="2" name="Slide Image Placeholder 1"/>
+          <p:cNvSpPr>
+            <a:spLocks noGrp="1" noRot="1" noChangeAspect="1"/>
+          </p:cNvSpPr>
+          <p:nvPr>
+            <p:ph type="sldImg"/>
+          </p:nvPr>
+        </p:nvSpPr>
+        <p:spPr/>
+      </p:sp>
+      <p:sp>
+        <p:nvSpPr>
+          <p:cNvPr id="3" name="Notes Placeholder 2"/>
+          <p:cNvSpPr>
+            <a:spLocks noGrp="1"/>
+          </p:cNvSpPr>
+          <p:nvPr>
+            <p:ph type="body" idx="1"/>
+          </p:nvPr>
+        </p:nvSpPr>
+        <p:spPr/>
+        <p:txBody>
+          <a:bodyPr/>
+          <a:lstStyle/>
+          <a:p>
+            <a:endParaRPr lang="en-US" dirty="0"/>
+          </a:p>
+        </p:txBody>
+      </p:sp>
+      <p:sp>
+        <p:nvSpPr>
+          <p:cNvPr id="4" name="Slide Number Placeholder 3"/>
+          <p:cNvSpPr>
+            <a:spLocks noGrp="1"/>
+          </p:cNvSpPr>
+          <p:nvPr>
+            <p:ph type="sldNum" sz="quarter" idx="5"/>
+          </p:nvPr>
+        </p:nvSpPr>
+        <p:spPr/>
+        <p:txBody>
+          <a:bodyPr/>
+          <a:lstStyle/>
+          <a:p>
+            <a:fld id="{88156F16-9966-4EDC-933D-6170A05B6017}" type="slidenum">
+              <a:rPr lang="en-US" smtClean="0"/>
+              <a:t>1</a:t>
+            </a:fld>
+            <a:endParaRPr lang="en-US"/>
+          </a:p>
+        </p:txBody>
+      </p:sp>
+    </p:spTree>
+    <p:extLst>
+      <p:ext uri="{BB962C8B-B14F-4D97-AF65-F5344CB8AC3E}">
+        <p14:creationId xmlns:p14="http://schemas.microsoft.com/office/powerpoint/2010/main" val="136429457"/>
+      </p:ext>
+    </p:extLst>
+  </p:cSld>
+  <p:clrMapOvr>
+    <a:masterClrMapping/>
+  </p:clrMapOvr>
+</p:notes>
+</file>
+
 <file path=ppt/slideLayouts/slideLayout1.xml><?xml version="1.0" encoding="utf-8"?>
 <p:sldLayout xmlns:a="http://schemas.openxmlformats.org/drawingml/2006/main" xmlns:r="http://schemas.openxmlformats.org/officeDocument/2006/relationships" xmlns:p="http://schemas.openxmlformats.org/presentationml/2006/main" matchingName="Title slide" type="title" preserve="1">
   <p:cSld name="Title slide">
@@ -3283,6 +3368,528 @@
 </file>
 
 <file path=ppt/slides/slide1.xml><?xml version="1.0" encoding="utf-8"?>
+<p:sld xmlns:a="http://schemas.openxmlformats.org/drawingml/2006/main" xmlns:r="http://schemas.openxmlformats.org/officeDocument/2006/relationships" xmlns:p="http://schemas.openxmlformats.org/presentationml/2006/main">
+  <p:cSld>
+    <p:spTree>
+      <p:nvGrpSpPr>
+        <p:cNvPr id="1" name=""/>
+        <p:cNvGrpSpPr/>
+        <p:nvPr/>
+      </p:nvGrpSpPr>
+      <p:grpSpPr>
+        <a:xfrm>
+          <a:off x="0" y="0"/>
+          <a:ext cx="0" cy="0"/>
+          <a:chOff x="0" y="0"/>
+          <a:chExt cx="0" cy="0"/>
+        </a:xfrm>
+      </p:grpSpPr>
+      <p:pic>
+        <p:nvPicPr>
+          <p:cNvPr id="4" name="Picture 3">
+            <a:extLst>
+              <a:ext uri="{FF2B5EF4-FFF2-40B4-BE49-F238E27FC236}">
+                <a16:creationId xmlns:a16="http://schemas.microsoft.com/office/drawing/2014/main" id="{03DC509E-BDA7-1A40-8299-B2F680C4A9B8}"/>
+              </a:ext>
+            </a:extLst>
+          </p:cNvPr>
+          <p:cNvPicPr>
+            <a:picLocks noChangeAspect="1"/>
+          </p:cNvPicPr>
+          <p:nvPr/>
+        </p:nvPicPr>
+        <p:blipFill rotWithShape="1">
+          <a:blip r:embed="rId3">
+            <a:extLst>
+              <a:ext uri="{28A0092B-C50C-407E-A947-70E740481C1C}">
+                <a14:useLocalDpi xmlns:a14="http://schemas.microsoft.com/office/drawing/2010/main" val="0"/>
+              </a:ext>
+            </a:extLst>
+          </a:blip>
+          <a:srcRect b="17111"/>
+          <a:stretch/>
+        </p:blipFill>
+        <p:spPr>
+          <a:xfrm>
+            <a:off x="259107" y="-106680"/>
+            <a:ext cx="6918906" cy="5684520"/>
+          </a:xfrm>
+          <a:prstGeom prst="rect">
+            <a:avLst/>
+          </a:prstGeom>
+        </p:spPr>
+      </p:pic>
+      <p:sp>
+        <p:nvSpPr>
+          <p:cNvPr id="6" name="TextBox 5">
+            <a:extLst>
+              <a:ext uri="{FF2B5EF4-FFF2-40B4-BE49-F238E27FC236}">
+                <a16:creationId xmlns:a16="http://schemas.microsoft.com/office/drawing/2014/main" id="{395821AA-C7F9-BF49-AD07-09FB0ACBEC8A}"/>
+              </a:ext>
+            </a:extLst>
+          </p:cNvPr>
+          <p:cNvSpPr txBox="1"/>
+          <p:nvPr/>
+        </p:nvSpPr>
+        <p:spPr>
+          <a:xfrm>
+            <a:off x="5625098" y="996554"/>
+            <a:ext cx="2011680" cy="5324535"/>
+          </a:xfrm>
+          <a:prstGeom prst="rect">
+            <a:avLst/>
+          </a:prstGeom>
+          <a:noFill/>
+        </p:spPr>
+        <p:txBody>
+          <a:bodyPr wrap="square" rtlCol="0">
+            <a:spAutoFit/>
+            <a:scene3d>
+              <a:camera prst="isometricRightUp"/>
+              <a:lightRig rig="threePt" dir="t"/>
+            </a:scene3d>
+          </a:bodyPr>
+          <a:lstStyle/>
+          <a:p>
+            <a:r>
+              <a:rPr lang="en-US" sz="34000" b="1" dirty="0">
+                <a:ln w="28575">
+                  <a:solidFill>
+                    <a:srgbClr val="08436D"/>
+                  </a:solidFill>
+                </a:ln>
+                <a:solidFill>
+                  <a:schemeClr val="bg1"/>
+                </a:solidFill>
+              </a:rPr>
+              <a:t>Z</a:t>
+            </a:r>
+          </a:p>
+        </p:txBody>
+      </p:sp>
+      <p:sp>
+        <p:nvSpPr>
+          <p:cNvPr id="27" name="Parallelogram 26">
+            <a:extLst>
+              <a:ext uri="{FF2B5EF4-FFF2-40B4-BE49-F238E27FC236}">
+                <a16:creationId xmlns:a16="http://schemas.microsoft.com/office/drawing/2014/main" id="{32E96F8B-BE8E-3346-8315-EF6843251FCE}"/>
+              </a:ext>
+            </a:extLst>
+          </p:cNvPr>
+          <p:cNvSpPr/>
+          <p:nvPr/>
+        </p:nvSpPr>
+        <p:spPr>
+          <a:xfrm>
+            <a:off x="6293650" y="4026164"/>
+            <a:ext cx="2011680" cy="914399"/>
+          </a:xfrm>
+          <a:prstGeom prst="parallelogram">
+            <a:avLst>
+              <a:gd name="adj" fmla="val 175458"/>
+            </a:avLst>
+          </a:prstGeom>
+          <a:solidFill>
+            <a:schemeClr val="bg1"/>
+          </a:solidFill>
+          <a:ln w="19050">
+            <a:solidFill>
+              <a:srgbClr val="244C76"/>
+            </a:solidFill>
+          </a:ln>
+        </p:spPr>
+        <p:style>
+          <a:lnRef idx="2">
+            <a:schemeClr val="accent1">
+              <a:shade val="50000"/>
+            </a:schemeClr>
+          </a:lnRef>
+          <a:fillRef idx="1">
+            <a:schemeClr val="accent1"/>
+          </a:fillRef>
+          <a:effectRef idx="0">
+            <a:schemeClr val="accent1"/>
+          </a:effectRef>
+          <a:fontRef idx="minor">
+            <a:schemeClr val="lt1"/>
+          </a:fontRef>
+        </p:style>
+        <p:txBody>
+          <a:bodyPr rtlCol="0" anchor="ctr"/>
+          <a:lstStyle/>
+          <a:p>
+            <a:pPr algn="ctr"/>
+            <a:endParaRPr lang="en-US" dirty="0">
+              <a:solidFill>
+                <a:schemeClr val="bg1"/>
+              </a:solidFill>
+            </a:endParaRPr>
+          </a:p>
+        </p:txBody>
+      </p:sp>
+      <p:sp>
+        <p:nvSpPr>
+          <p:cNvPr id="26" name="Parallelogram 25">
+            <a:extLst>
+              <a:ext uri="{FF2B5EF4-FFF2-40B4-BE49-F238E27FC236}">
+                <a16:creationId xmlns:a16="http://schemas.microsoft.com/office/drawing/2014/main" id="{A1623849-0D8E-A843-9DEE-DD87776712B7}"/>
+              </a:ext>
+            </a:extLst>
+          </p:cNvPr>
+          <p:cNvSpPr/>
+          <p:nvPr/>
+        </p:nvSpPr>
+        <p:spPr>
+          <a:xfrm>
+            <a:off x="6121183" y="2700472"/>
+            <a:ext cx="1565759" cy="2306280"/>
+          </a:xfrm>
+          <a:prstGeom prst="parallelogram">
+            <a:avLst>
+              <a:gd name="adj" fmla="val 74106"/>
+            </a:avLst>
+          </a:prstGeom>
+          <a:solidFill>
+            <a:schemeClr val="bg1"/>
+          </a:solidFill>
+          <a:ln w="19050">
+            <a:solidFill>
+              <a:srgbClr val="244C76"/>
+            </a:solidFill>
+          </a:ln>
+        </p:spPr>
+        <p:style>
+          <a:lnRef idx="2">
+            <a:schemeClr val="accent1">
+              <a:shade val="50000"/>
+            </a:schemeClr>
+          </a:lnRef>
+          <a:fillRef idx="1">
+            <a:schemeClr val="accent1"/>
+          </a:fillRef>
+          <a:effectRef idx="0">
+            <a:schemeClr val="accent1"/>
+          </a:effectRef>
+          <a:fontRef idx="minor">
+            <a:schemeClr val="lt1"/>
+          </a:fontRef>
+        </p:style>
+        <p:txBody>
+          <a:bodyPr rtlCol="0" anchor="ctr"/>
+          <a:lstStyle/>
+          <a:p>
+            <a:pPr algn="ctr"/>
+            <a:endParaRPr lang="en-US" dirty="0">
+              <a:solidFill>
+                <a:schemeClr val="bg1"/>
+              </a:solidFill>
+            </a:endParaRPr>
+          </a:p>
+        </p:txBody>
+      </p:sp>
+      <p:sp>
+        <p:nvSpPr>
+          <p:cNvPr id="22" name="TextBox 21">
+            <a:extLst>
+              <a:ext uri="{FF2B5EF4-FFF2-40B4-BE49-F238E27FC236}">
+                <a16:creationId xmlns:a16="http://schemas.microsoft.com/office/drawing/2014/main" id="{13EB7B0C-381F-9847-8814-110A4CB9473B}"/>
+              </a:ext>
+            </a:extLst>
+          </p:cNvPr>
+          <p:cNvSpPr txBox="1"/>
+          <p:nvPr/>
+        </p:nvSpPr>
+        <p:spPr>
+          <a:xfrm>
+            <a:off x="6029168" y="1001911"/>
+            <a:ext cx="2011680" cy="5324535"/>
+          </a:xfrm>
+          <a:prstGeom prst="rect">
+            <a:avLst/>
+          </a:prstGeom>
+          <a:noFill/>
+        </p:spPr>
+        <p:txBody>
+          <a:bodyPr wrap="square" rtlCol="0">
+            <a:spAutoFit/>
+            <a:scene3d>
+              <a:camera prst="isometricRightUp"/>
+              <a:lightRig rig="threePt" dir="t"/>
+            </a:scene3d>
+          </a:bodyPr>
+          <a:lstStyle/>
+          <a:p>
+            <a:r>
+              <a:rPr lang="en-US" sz="34000" b="1" dirty="0">
+                <a:ln w="28575">
+                  <a:solidFill>
+                    <a:srgbClr val="244C76"/>
+                  </a:solidFill>
+                </a:ln>
+                <a:solidFill>
+                  <a:schemeClr val="bg2">
+                    <a:lumMod val="40000"/>
+                    <a:lumOff val="60000"/>
+                  </a:schemeClr>
+                </a:solidFill>
+              </a:rPr>
+              <a:t>Z</a:t>
+            </a:r>
+          </a:p>
+        </p:txBody>
+      </p:sp>
+      <p:sp>
+        <p:nvSpPr>
+          <p:cNvPr id="16" name="Parallelogram 15">
+            <a:extLst>
+              <a:ext uri="{FF2B5EF4-FFF2-40B4-BE49-F238E27FC236}">
+                <a16:creationId xmlns:a16="http://schemas.microsoft.com/office/drawing/2014/main" id="{355F2B0A-55CE-0D46-832B-5CF5D8106ACD}"/>
+              </a:ext>
+            </a:extLst>
+          </p:cNvPr>
+          <p:cNvSpPr/>
+          <p:nvPr/>
+        </p:nvSpPr>
+        <p:spPr>
+          <a:xfrm>
+            <a:off x="6245830" y="1944992"/>
+            <a:ext cx="2011680" cy="914400"/>
+          </a:xfrm>
+          <a:prstGeom prst="parallelogram">
+            <a:avLst>
+              <a:gd name="adj" fmla="val 175458"/>
+            </a:avLst>
+          </a:prstGeom>
+          <a:solidFill>
+            <a:schemeClr val="lt1"/>
+          </a:solidFill>
+          <a:ln w="19050">
+            <a:solidFill>
+              <a:srgbClr val="244C76"/>
+            </a:solidFill>
+          </a:ln>
+        </p:spPr>
+        <p:style>
+          <a:lnRef idx="2">
+            <a:schemeClr val="accent1">
+              <a:shade val="50000"/>
+            </a:schemeClr>
+          </a:lnRef>
+          <a:fillRef idx="1">
+            <a:schemeClr val="accent1"/>
+          </a:fillRef>
+          <a:effectRef idx="0">
+            <a:schemeClr val="accent1"/>
+          </a:effectRef>
+          <a:fontRef idx="minor">
+            <a:schemeClr val="lt1"/>
+          </a:fontRef>
+        </p:style>
+        <p:txBody>
+          <a:bodyPr rtlCol="0" anchor="ctr"/>
+          <a:lstStyle/>
+          <a:p>
+            <a:pPr algn="ctr"/>
+            <a:endParaRPr lang="en-US" dirty="0">
+              <a:solidFill>
+                <a:schemeClr val="bg1"/>
+              </a:solidFill>
+            </a:endParaRPr>
+          </a:p>
+        </p:txBody>
+      </p:sp>
+      <p:sp>
+        <p:nvSpPr>
+          <p:cNvPr id="24" name="Parallelogram 23">
+            <a:extLst>
+              <a:ext uri="{FF2B5EF4-FFF2-40B4-BE49-F238E27FC236}">
+                <a16:creationId xmlns:a16="http://schemas.microsoft.com/office/drawing/2014/main" id="{BC4AB482-E88C-5045-A128-92B86784F67F}"/>
+              </a:ext>
+            </a:extLst>
+          </p:cNvPr>
+          <p:cNvSpPr/>
+          <p:nvPr/>
+        </p:nvSpPr>
+        <p:spPr>
+          <a:xfrm>
+            <a:off x="6260288" y="2869034"/>
+            <a:ext cx="400571" cy="429768"/>
+          </a:xfrm>
+          <a:prstGeom prst="parallelogram">
+            <a:avLst>
+              <a:gd name="adj" fmla="val 0"/>
+            </a:avLst>
+          </a:prstGeom>
+          <a:solidFill>
+            <a:schemeClr val="lt1"/>
+          </a:solidFill>
+          <a:ln w="19050">
+            <a:solidFill>
+              <a:srgbClr val="244C76"/>
+            </a:solidFill>
+          </a:ln>
+        </p:spPr>
+        <p:style>
+          <a:lnRef idx="2">
+            <a:schemeClr val="accent1">
+              <a:shade val="50000"/>
+            </a:schemeClr>
+          </a:lnRef>
+          <a:fillRef idx="1">
+            <a:schemeClr val="accent1"/>
+          </a:fillRef>
+          <a:effectRef idx="0">
+            <a:schemeClr val="accent1"/>
+          </a:effectRef>
+          <a:fontRef idx="minor">
+            <a:schemeClr val="lt1"/>
+          </a:fontRef>
+        </p:style>
+        <p:txBody>
+          <a:bodyPr rtlCol="0" anchor="ctr"/>
+          <a:lstStyle/>
+          <a:p>
+            <a:pPr algn="ctr"/>
+            <a:endParaRPr lang="en-US" dirty="0">
+              <a:solidFill>
+                <a:schemeClr val="bg1"/>
+              </a:solidFill>
+            </a:endParaRPr>
+          </a:p>
+        </p:txBody>
+      </p:sp>
+      <p:sp>
+        <p:nvSpPr>
+          <p:cNvPr id="25" name="Parallelogram 24">
+            <a:extLst>
+              <a:ext uri="{FF2B5EF4-FFF2-40B4-BE49-F238E27FC236}">
+                <a16:creationId xmlns:a16="http://schemas.microsoft.com/office/drawing/2014/main" id="{2FC8DD2E-F4B9-B14F-9C2C-F0ED55C2357C}"/>
+              </a:ext>
+            </a:extLst>
+          </p:cNvPr>
+          <p:cNvSpPr/>
+          <p:nvPr/>
+        </p:nvSpPr>
+        <p:spPr>
+          <a:xfrm>
+            <a:off x="6121183" y="5015374"/>
+            <a:ext cx="409087" cy="467302"/>
+          </a:xfrm>
+          <a:prstGeom prst="parallelogram">
+            <a:avLst>
+              <a:gd name="adj" fmla="val 0"/>
+            </a:avLst>
+          </a:prstGeom>
+          <a:solidFill>
+            <a:schemeClr val="lt1"/>
+          </a:solidFill>
+          <a:ln w="19050">
+            <a:solidFill>
+              <a:srgbClr val="244C76"/>
+            </a:solidFill>
+          </a:ln>
+        </p:spPr>
+        <p:style>
+          <a:lnRef idx="2">
+            <a:schemeClr val="accent1">
+              <a:shade val="50000"/>
+            </a:schemeClr>
+          </a:lnRef>
+          <a:fillRef idx="1">
+            <a:schemeClr val="accent1"/>
+          </a:fillRef>
+          <a:effectRef idx="0">
+            <a:schemeClr val="accent1"/>
+          </a:effectRef>
+          <a:fontRef idx="minor">
+            <a:schemeClr val="lt1"/>
+          </a:fontRef>
+        </p:style>
+        <p:txBody>
+          <a:bodyPr rtlCol="0" anchor="ctr"/>
+          <a:lstStyle/>
+          <a:p>
+            <a:pPr algn="ctr"/>
+            <a:endParaRPr lang="en-US" dirty="0">
+              <a:solidFill>
+                <a:schemeClr val="bg1"/>
+              </a:solidFill>
+            </a:endParaRPr>
+          </a:p>
+        </p:txBody>
+      </p:sp>
+      <p:sp>
+        <p:nvSpPr>
+          <p:cNvPr id="10" name="Parallelogram 9">
+            <a:extLst>
+              <a:ext uri="{FF2B5EF4-FFF2-40B4-BE49-F238E27FC236}">
+                <a16:creationId xmlns:a16="http://schemas.microsoft.com/office/drawing/2014/main" id="{0CD82BB9-277C-9942-920B-BB1B95EF2AC9}"/>
+              </a:ext>
+            </a:extLst>
+          </p:cNvPr>
+          <p:cNvSpPr/>
+          <p:nvPr/>
+        </p:nvSpPr>
+        <p:spPr>
+          <a:xfrm>
+            <a:off x="4984750" y="3253082"/>
+            <a:ext cx="1274934" cy="45719"/>
+          </a:xfrm>
+          <a:prstGeom prst="parallelogram">
+            <a:avLst>
+              <a:gd name="adj" fmla="val 0"/>
+            </a:avLst>
+          </a:prstGeom>
+          <a:noFill/>
+          <a:ln w="19050">
+            <a:solidFill>
+              <a:srgbClr val="244C76"/>
+            </a:solidFill>
+          </a:ln>
+        </p:spPr>
+        <p:style>
+          <a:lnRef idx="2">
+            <a:schemeClr val="accent1">
+              <a:shade val="50000"/>
+            </a:schemeClr>
+          </a:lnRef>
+          <a:fillRef idx="1">
+            <a:schemeClr val="accent1"/>
+          </a:fillRef>
+          <a:effectRef idx="0">
+            <a:schemeClr val="accent1"/>
+          </a:effectRef>
+          <a:fontRef idx="minor">
+            <a:schemeClr val="lt1"/>
+          </a:fontRef>
+        </p:style>
+        <p:txBody>
+          <a:bodyPr rtlCol="0" anchor="ctr"/>
+          <a:lstStyle/>
+          <a:p>
+            <a:pPr algn="ctr"/>
+            <a:endParaRPr lang="en-US" dirty="0">
+              <a:solidFill>
+                <a:schemeClr val="bg1"/>
+              </a:solidFill>
+            </a:endParaRPr>
+          </a:p>
+        </p:txBody>
+      </p:sp>
+    </p:spTree>
+    <p:extLst>
+      <p:ext uri="{BB962C8B-B14F-4D97-AF65-F5344CB8AC3E}">
+        <p14:creationId xmlns:p14="http://schemas.microsoft.com/office/powerpoint/2010/main" val="2686462075"/>
+      </p:ext>
+    </p:extLst>
+  </p:cSld>
+  <p:clrMapOvr>
+    <a:masterClrMapping/>
+  </p:clrMapOvr>
+</p:sld>
+</file>
+
+<file path=ppt/slides/slide2.xml><?xml version="1.0" encoding="utf-8"?>
 <p:sld xmlns:a="http://schemas.openxmlformats.org/drawingml/2006/main" xmlns:r="http://schemas.openxmlformats.org/officeDocument/2006/relationships" xmlns:p="http://schemas.openxmlformats.org/presentationml/2006/main">
   <p:cSld>
     <p:spTree>
